--- a/מצגות שלי/2_Flask.pptx
+++ b/מצגות שלי/2_Flask.pptx
@@ -220,7 +220,7 @@
           <a:p>
             <a:fld id="{2619FA33-5C78-4040-A82F-ED8AE39E5D1E}" type="datetimeFigureOut">
               <a:rPr lang="en-US" smtClean="0"/>
-              <a:t>9/30/20</a:t>
+              <a:t>12/8/20</a:t>
             </a:fld>
             <a:endParaRPr lang="en-US"/>
           </a:p>
@@ -4124,7 +4124,7 @@
           <a:p>
             <a:fld id="{B1594BF9-9545-5146-9B36-52C3009DFD5B}" type="datetime1">
               <a:rPr lang="en-US" smtClean="0"/>
-              <a:t>9/30/20</a:t>
+              <a:t>12/8/20</a:t>
             </a:fld>
             <a:endParaRPr lang="en-US"/>
           </a:p>
@@ -6614,7 +6614,7 @@
           <a:p>
             <a:fld id="{0B4C31AD-AE96-1843-9F53-89EF7B21E3B6}" type="datetime1">
               <a:rPr lang="en-US" smtClean="0"/>
-              <a:t>9/30/20</a:t>
+              <a:t>12/8/20</a:t>
             </a:fld>
             <a:endParaRPr lang="en-US"/>
           </a:p>
@@ -6812,7 +6812,7 @@
           <a:p>
             <a:fld id="{B1B4C1A5-5C9E-F344-B3D5-658DD73E1128}" type="datetime1">
               <a:rPr lang="en-US" smtClean="0"/>
-              <a:t>9/30/20</a:t>
+              <a:t>12/8/20</a:t>
             </a:fld>
             <a:endParaRPr lang="en-US"/>
           </a:p>
@@ -7020,7 +7020,7 @@
           <a:p>
             <a:fld id="{9FC51F77-9C3D-5E40-A8B2-46453E3B6E43}" type="datetime1">
               <a:rPr lang="en-US" smtClean="0"/>
-              <a:t>9/30/20</a:t>
+              <a:t>12/8/20</a:t>
             </a:fld>
             <a:endParaRPr lang="en-US"/>
           </a:p>
@@ -7757,7 +7757,7 @@
           <a:p>
             <a:fld id="{280D95B4-A5D9-B74F-A981-B5F53E7ED6FB}" type="datetime1">
               <a:rPr lang="en-US" smtClean="0"/>
-              <a:t>9/30/20</a:t>
+              <a:t>12/8/20</a:t>
             </a:fld>
             <a:endParaRPr lang="en-US"/>
           </a:p>
@@ -8399,7 +8399,7 @@
           <a:p>
             <a:fld id="{116DE3D2-DCC1-8E45-9614-6E42FCEB31A5}" type="datetime1">
               <a:rPr lang="en-US" smtClean="0"/>
-              <a:t>9/30/20</a:t>
+              <a:t>12/8/20</a:t>
             </a:fld>
             <a:endParaRPr lang="en-US"/>
           </a:p>
@@ -9199,7 +9199,7 @@
           <a:p>
             <a:fld id="{43C05CF2-D19B-6D4F-9F1C-B9B4837773DF}" type="datetime1">
               <a:rPr lang="en-US" smtClean="0"/>
-              <a:t>9/30/20</a:t>
+              <a:t>12/8/20</a:t>
             </a:fld>
             <a:endParaRPr lang="en-US"/>
           </a:p>
@@ -10150,7 +10150,7 @@
           <a:p>
             <a:fld id="{185C162C-DC6E-2341-8BF1-6F6DCBA55482}" type="datetime1">
               <a:rPr lang="en-US" smtClean="0"/>
-              <a:t>9/30/20</a:t>
+              <a:t>12/8/20</a:t>
             </a:fld>
             <a:endParaRPr lang="en-US"/>
           </a:p>
@@ -12499,7 +12499,7 @@
           <a:p>
             <a:fld id="{787FC823-DE43-6C4A-AD43-01421086DC7A}" type="datetime1">
               <a:rPr lang="en-US" smtClean="0"/>
-              <a:t>9/30/20</a:t>
+              <a:t>12/8/20</a:t>
             </a:fld>
             <a:endParaRPr lang="en-US"/>
           </a:p>
@@ -12612,7 +12612,7 @@
           <a:p>
             <a:fld id="{727376A1-6F0A-9A46-B656-2413603BB76F}" type="datetime1">
               <a:rPr lang="en-US" smtClean="0"/>
-              <a:t>9/30/20</a:t>
+              <a:t>12/8/20</a:t>
             </a:fld>
             <a:endParaRPr lang="en-US"/>
           </a:p>
@@ -13119,7 +13119,7 @@
           <a:p>
             <a:fld id="{E9615236-1845-164F-BED2-F0BE6118DB31}" type="datetime1">
               <a:rPr lang="en-US" smtClean="0"/>
-              <a:t>9/30/20</a:t>
+              <a:t>12/8/20</a:t>
             </a:fld>
             <a:endParaRPr lang="en-US"/>
           </a:p>
@@ -14422,7 +14422,7 @@
           <a:p>
             <a:fld id="{EDC433A5-F7A6-434A-9F78-8C41A204696C}" type="datetime1">
               <a:rPr lang="en-US" smtClean="0"/>
-              <a:t>9/30/20</a:t>
+              <a:t>12/8/20</a:t>
             </a:fld>
             <a:endParaRPr lang="en-US"/>
           </a:p>
@@ -14669,7 +14669,7 @@
           <a:p>
             <a:fld id="{4AE19DD7-7DA8-084D-9AE4-CCB2D147EA86}" type="datetime1">
               <a:rPr lang="en-US" smtClean="0"/>
-              <a:t>9/30/20</a:t>
+              <a:t>12/8/20</a:t>
             </a:fld>
             <a:endParaRPr lang="en-US"/>
           </a:p>

--- a/מצגות שלי/2_Flask.pptx
+++ b/מצגות שלי/2_Flask.pptx
@@ -5,7 +5,7 @@
     <p:sldMasterId id="2147483700" r:id="rId1"/>
   </p:sldMasterIdLst>
   <p:notesMasterIdLst>
-    <p:notesMasterId r:id="rId26"/>
+    <p:notesMasterId r:id="rId27"/>
   </p:notesMasterIdLst>
   <p:sldIdLst>
     <p:sldId id="256" r:id="rId2"/>
@@ -21,17 +21,18 @@
     <p:sldId id="265" r:id="rId12"/>
     <p:sldId id="267" r:id="rId13"/>
     <p:sldId id="268" r:id="rId14"/>
-    <p:sldId id="269" r:id="rId15"/>
-    <p:sldId id="270" r:id="rId16"/>
-    <p:sldId id="272" r:id="rId17"/>
-    <p:sldId id="420" r:id="rId18"/>
-    <p:sldId id="273" r:id="rId19"/>
-    <p:sldId id="274" r:id="rId20"/>
-    <p:sldId id="275" r:id="rId21"/>
-    <p:sldId id="276" r:id="rId22"/>
-    <p:sldId id="277" r:id="rId23"/>
-    <p:sldId id="278" r:id="rId24"/>
-    <p:sldId id="419" r:id="rId25"/>
+    <p:sldId id="421" r:id="rId15"/>
+    <p:sldId id="269" r:id="rId16"/>
+    <p:sldId id="270" r:id="rId17"/>
+    <p:sldId id="272" r:id="rId18"/>
+    <p:sldId id="420" r:id="rId19"/>
+    <p:sldId id="273" r:id="rId20"/>
+    <p:sldId id="274" r:id="rId21"/>
+    <p:sldId id="275" r:id="rId22"/>
+    <p:sldId id="276" r:id="rId23"/>
+    <p:sldId id="277" r:id="rId24"/>
+    <p:sldId id="278" r:id="rId25"/>
+    <p:sldId id="419" r:id="rId26"/>
   </p:sldIdLst>
   <p:sldSz cx="12192000" cy="6858000"/>
   <p:notesSz cx="6858000" cy="9144000"/>
@@ -220,7 +221,7 @@
           <a:p>
             <a:fld id="{2619FA33-5C78-4040-A82F-ED8AE39E5D1E}" type="datetimeFigureOut">
               <a:rPr lang="en-US" smtClean="0"/>
-              <a:t>12/8/20</a:t>
+              <a:t>4/25/21</a:t>
             </a:fld>
             <a:endParaRPr lang="en-US"/>
           </a:p>
@@ -655,7 +656,7 @@
     </p:spTree>
     <p:extLst>
       <p:ext uri="{BB962C8B-B14F-4D97-AF65-F5344CB8AC3E}">
-        <p14:creationId xmlns:p14="http://schemas.microsoft.com/office/powerpoint/2010/main" val="2390842443"/>
+        <p14:creationId xmlns:p14="http://schemas.microsoft.com/office/powerpoint/2010/main" val="1156709374"/>
       </p:ext>
     </p:extLst>
   </p:cSld>
@@ -710,14 +711,7 @@
           <a:lstStyle/>
           <a:p>
             <a:pPr marL="0" algn="r" defTabSz="914400" rtl="1" eaLnBrk="1" latinLnBrk="0" hangingPunct="1"/>
-            <a:r>
-              <a:rPr lang="he-IL" dirty="0"/>
-              <a:t>ברירת מחדל: </a:t>
-            </a:r>
-            <a:r>
-              <a:rPr lang="en-US" dirty="0"/>
-              <a:t>GET</a:t>
-            </a:r>
+            <a:endParaRPr lang="en-US" dirty="0"/>
           </a:p>
         </p:txBody>
       </p:sp>
@@ -747,7 +741,7 @@
     </p:spTree>
     <p:extLst>
       <p:ext uri="{BB962C8B-B14F-4D97-AF65-F5344CB8AC3E}">
-        <p14:creationId xmlns:p14="http://schemas.microsoft.com/office/powerpoint/2010/main" val="4056084027"/>
+        <p14:creationId xmlns:p14="http://schemas.microsoft.com/office/powerpoint/2010/main" val="2390842443"/>
       </p:ext>
     </p:extLst>
   </p:cSld>
@@ -804,52 +798,12 @@
             <a:pPr marL="0" algn="r" defTabSz="914400" rtl="1" eaLnBrk="1" latinLnBrk="0" hangingPunct="1"/>
             <a:r>
               <a:rPr lang="he-IL" dirty="0"/>
-              <a:t>לחזור כמה שקפים אחורה לחזור על מה שדיברנו בהרצאה הקודמת</a:t>
-            </a:r>
-          </a:p>
-          <a:p>
-            <a:pPr marL="0" algn="r" defTabSz="914400" rtl="1" eaLnBrk="1" latinLnBrk="0" hangingPunct="1"/>
-            <a:r>
-              <a:rPr lang="he-IL" dirty="0"/>
-              <a:t>מה זה </a:t>
+              <a:t>ברירת מחדל: </a:t>
             </a:r>
             <a:r>
               <a:rPr lang="en-US" dirty="0"/>
-              <a:t>template</a:t>
-            </a:r>
-            <a:r>
-              <a:rPr lang="he-IL" dirty="0"/>
-              <a:t> </a:t>
-            </a:r>
-            <a:r>
-              <a:rPr lang="he-IL" dirty="0" err="1"/>
-              <a:t>ותקיית</a:t>
-            </a:r>
-            <a:r>
-              <a:rPr lang="he-IL" dirty="0"/>
-              <a:t> </a:t>
-            </a:r>
-            <a:r>
-              <a:rPr lang="en-US" dirty="0"/>
-              <a:t>templates</a:t>
-            </a:r>
-            <a:endParaRPr lang="he-IL" dirty="0"/>
-          </a:p>
-          <a:p>
-            <a:pPr marL="0" algn="r" defTabSz="914400" rtl="1" eaLnBrk="1" latinLnBrk="0" hangingPunct="1"/>
-            <a:r>
-              <a:rPr lang="he-IL" dirty="0"/>
-              <a:t>מה זה </a:t>
-            </a:r>
-            <a:r>
-              <a:rPr lang="en-US" dirty="0" err="1"/>
-              <a:t>render_template</a:t>
-            </a:r>
-            <a:endParaRPr lang="he-IL" dirty="0"/>
-          </a:p>
-          <a:p>
-            <a:pPr marL="0" algn="r" defTabSz="914400" rtl="1" eaLnBrk="1" latinLnBrk="0" hangingPunct="1"/>
-            <a:endParaRPr lang="en-US" dirty="0"/>
+              <a:t>GET</a:t>
+            </a:r>
           </a:p>
         </p:txBody>
       </p:sp>
@@ -871,6 +825,138 @@
             <a:fld id="{0393563E-55B3-EB4A-87F2-2B89F31DE676}" type="slidenum">
               <a:rPr lang="en-US" smtClean="0"/>
               <a:t>24</a:t>
+            </a:fld>
+            <a:endParaRPr lang="en-US"/>
+          </a:p>
+        </p:txBody>
+      </p:sp>
+    </p:spTree>
+    <p:extLst>
+      <p:ext uri="{BB962C8B-B14F-4D97-AF65-F5344CB8AC3E}">
+        <p14:creationId xmlns:p14="http://schemas.microsoft.com/office/powerpoint/2010/main" val="4056084027"/>
+      </p:ext>
+    </p:extLst>
+  </p:cSld>
+  <p:clrMapOvr>
+    <a:masterClrMapping/>
+  </p:clrMapOvr>
+</p:notes>
+</file>
+
+<file path=ppt/notesSlides/notesSlide13.xml><?xml version="1.0" encoding="utf-8"?>
+<p:notes xmlns:a="http://schemas.openxmlformats.org/drawingml/2006/main" xmlns:r="http://schemas.openxmlformats.org/officeDocument/2006/relationships" xmlns:p="http://schemas.openxmlformats.org/presentationml/2006/main">
+  <p:cSld>
+    <p:spTree>
+      <p:nvGrpSpPr>
+        <p:cNvPr id="1" name=""/>
+        <p:cNvGrpSpPr/>
+        <p:nvPr/>
+      </p:nvGrpSpPr>
+      <p:grpSpPr>
+        <a:xfrm>
+          <a:off x="0" y="0"/>
+          <a:ext cx="0" cy="0"/>
+          <a:chOff x="0" y="0"/>
+          <a:chExt cx="0" cy="0"/>
+        </a:xfrm>
+      </p:grpSpPr>
+      <p:sp>
+        <p:nvSpPr>
+          <p:cNvPr id="2" name="Slide Image Placeholder 1"/>
+          <p:cNvSpPr>
+            <a:spLocks noGrp="1" noRot="1" noChangeAspect="1"/>
+          </p:cNvSpPr>
+          <p:nvPr>
+            <p:ph type="sldImg"/>
+          </p:nvPr>
+        </p:nvSpPr>
+        <p:spPr/>
+      </p:sp>
+      <p:sp>
+        <p:nvSpPr>
+          <p:cNvPr id="3" name="Notes Placeholder 2"/>
+          <p:cNvSpPr>
+            <a:spLocks noGrp="1"/>
+          </p:cNvSpPr>
+          <p:nvPr>
+            <p:ph type="body" idx="1"/>
+          </p:nvPr>
+        </p:nvSpPr>
+        <p:spPr/>
+        <p:txBody>
+          <a:bodyPr/>
+          <a:lstStyle/>
+          <a:p>
+            <a:pPr marL="0" algn="r" defTabSz="914400" rtl="1" eaLnBrk="1" latinLnBrk="0" hangingPunct="1"/>
+            <a:r>
+              <a:rPr lang="he-IL" dirty="0"/>
+              <a:t>לחזור כמה שקפים אחורה לחזור על מה שדיברנו בהרצאה הקודמת</a:t>
+            </a:r>
+          </a:p>
+          <a:p>
+            <a:pPr marL="0" algn="r" defTabSz="914400" rtl="1" eaLnBrk="1" latinLnBrk="0" hangingPunct="1"/>
+            <a:r>
+              <a:rPr lang="he-IL" dirty="0"/>
+              <a:t>מה זה </a:t>
+            </a:r>
+            <a:r>
+              <a:rPr lang="en-US" dirty="0"/>
+              <a:t>template</a:t>
+            </a:r>
+            <a:r>
+              <a:rPr lang="he-IL" dirty="0"/>
+              <a:t> </a:t>
+            </a:r>
+            <a:r>
+              <a:rPr lang="he-IL" dirty="0" err="1"/>
+              <a:t>ותקיית</a:t>
+            </a:r>
+            <a:r>
+              <a:rPr lang="he-IL" dirty="0"/>
+              <a:t> </a:t>
+            </a:r>
+            <a:r>
+              <a:rPr lang="en-US" dirty="0"/>
+              <a:t>templates</a:t>
+            </a:r>
+            <a:endParaRPr lang="he-IL" dirty="0"/>
+          </a:p>
+          <a:p>
+            <a:pPr marL="0" algn="r" defTabSz="914400" rtl="1" eaLnBrk="1" latinLnBrk="0" hangingPunct="1"/>
+            <a:r>
+              <a:rPr lang="he-IL" dirty="0"/>
+              <a:t>מה זה </a:t>
+            </a:r>
+            <a:r>
+              <a:rPr lang="en-US" dirty="0" err="1"/>
+              <a:t>render_template</a:t>
+            </a:r>
+            <a:endParaRPr lang="he-IL" dirty="0"/>
+          </a:p>
+          <a:p>
+            <a:pPr marL="0" algn="r" defTabSz="914400" rtl="1" eaLnBrk="1" latinLnBrk="0" hangingPunct="1"/>
+            <a:endParaRPr lang="en-US" dirty="0"/>
+          </a:p>
+        </p:txBody>
+      </p:sp>
+      <p:sp>
+        <p:nvSpPr>
+          <p:cNvPr id="4" name="Slide Number Placeholder 3"/>
+          <p:cNvSpPr>
+            <a:spLocks noGrp="1"/>
+          </p:cNvSpPr>
+          <p:nvPr>
+            <p:ph type="sldNum" sz="quarter" idx="5"/>
+          </p:nvPr>
+        </p:nvSpPr>
+        <p:spPr/>
+        <p:txBody>
+          <a:bodyPr/>
+          <a:lstStyle/>
+          <a:p>
+            <a:fld id="{0393563E-55B3-EB4A-87F2-2B89F31DE676}" type="slidenum">
+              <a:rPr lang="en-US" smtClean="0"/>
+              <a:t>25</a:t>
             </a:fld>
             <a:endParaRPr lang="en-US"/>
           </a:p>
@@ -1386,15 +1472,56 @@
             <a:pPr marL="0" algn="r" defTabSz="914400" rtl="1" eaLnBrk="1" latinLnBrk="0" hangingPunct="1"/>
             <a:r>
               <a:rPr lang="he-IL" dirty="0"/>
-              <a:t>כשיש מספר ב</a:t>
+              <a:t>להסביר על המבנה:</a:t>
+            </a:r>
+          </a:p>
+          <a:p>
+            <a:pPr marL="0" algn="r" defTabSz="914400" rtl="1" eaLnBrk="1" latinLnBrk="0" hangingPunct="1"/>
+            <a:r>
+              <a:rPr lang="he-IL" dirty="0" err="1"/>
+              <a:t>תקיה</a:t>
+            </a:r>
+            <a:r>
+              <a:rPr lang="he-IL" dirty="0"/>
+              <a:t> ראשית</a:t>
+            </a:r>
+          </a:p>
+          <a:p>
+            <a:pPr marL="0" algn="r" defTabSz="914400" rtl="1" eaLnBrk="1" latinLnBrk="0" hangingPunct="1"/>
+            <a:r>
+              <a:rPr lang="he-IL" dirty="0" err="1"/>
+              <a:t>סטטיק</a:t>
+            </a:r>
+            <a:r>
+              <a:rPr lang="he-IL" dirty="0"/>
+              <a:t> – </a:t>
+            </a:r>
+          </a:p>
+          <a:p>
+            <a:pPr marL="0" algn="r" defTabSz="914400" rtl="1" eaLnBrk="1" latinLnBrk="0" hangingPunct="1"/>
+            <a:r>
+              <a:rPr lang="he-IL" dirty="0" err="1"/>
+              <a:t>טמפלייטס</a:t>
+            </a:r>
+            <a:endParaRPr lang="he-IL" dirty="0"/>
+          </a:p>
+          <a:p>
+            <a:pPr marL="0" algn="r" defTabSz="914400" rtl="1" eaLnBrk="1" latinLnBrk="0" hangingPunct="1"/>
+            <a:r>
+              <a:rPr lang="he-IL" dirty="0"/>
+              <a:t>קובץ </a:t>
             </a:r>
             <a:r>
               <a:rPr lang="en-US" dirty="0"/>
-              <a:t>route</a:t>
-            </a:r>
-            <a:r>
-              <a:rPr lang="he-IL" dirty="0"/>
-              <a:t> זה בעיה! כיצד נשנה את זה?</a:t>
+              <a:t>app</a:t>
+            </a:r>
+            <a:r>
+              <a:rPr lang="he-IL" dirty="0"/>
+              <a:t> – לב של </a:t>
+            </a:r>
+            <a:r>
+              <a:rPr lang="he-IL" dirty="0" err="1"/>
+              <a:t>ההפליציה</a:t>
             </a:r>
             <a:endParaRPr lang="en-US" dirty="0"/>
           </a:p>
@@ -1417,7 +1544,7 @@
           <a:p>
             <a:fld id="{0393563E-55B3-EB4A-87F2-2B89F31DE676}" type="slidenum">
               <a:rPr lang="en-US" smtClean="0"/>
-              <a:t>18</a:t>
+              <a:t>14</a:t>
             </a:fld>
             <a:endParaRPr lang="en-US"/>
           </a:p>
@@ -1426,7 +1553,7 @@
     </p:spTree>
     <p:extLst>
       <p:ext uri="{BB962C8B-B14F-4D97-AF65-F5344CB8AC3E}">
-        <p14:creationId xmlns:p14="http://schemas.microsoft.com/office/powerpoint/2010/main" val="3240622433"/>
+        <p14:creationId xmlns:p14="http://schemas.microsoft.com/office/powerpoint/2010/main" val="1457632946"/>
       </p:ext>
     </p:extLst>
   </p:cSld>
@@ -1495,33 +1622,6 @@
             </a:r>
             <a:endParaRPr lang="en-US" dirty="0"/>
           </a:p>
-          <a:p>
-            <a:pPr marL="0" algn="r" defTabSz="914400" rtl="1" eaLnBrk="1" latinLnBrk="0" hangingPunct="1"/>
-            <a:r>
-              <a:rPr lang="he-IL" dirty="0"/>
-              <a:t>לציין את ההבדל של להעמיס את </a:t>
-            </a:r>
-            <a:r>
-              <a:rPr lang="he-IL" dirty="0" err="1"/>
-              <a:t>הפוקציה</a:t>
-            </a:r>
-            <a:r>
-              <a:rPr lang="he-IL" dirty="0"/>
-              <a:t> עם עוד דקורטורים לבין לעשות </a:t>
-            </a:r>
-            <a:r>
-              <a:rPr lang="en-US" dirty="0"/>
-              <a:t>redirect</a:t>
-            </a:r>
-            <a:r>
-              <a:rPr lang="he-IL" dirty="0"/>
-              <a:t> ולהוסיף עוד פונקציה עם לוגיקה נוספת</a:t>
-            </a:r>
-          </a:p>
-          <a:p>
-            <a:pPr marL="0" algn="r" defTabSz="914400" rtl="1" eaLnBrk="1" latinLnBrk="0" hangingPunct="1"/>
-            <a:endParaRPr lang="en-US" dirty="0"/>
-          </a:p>
         </p:txBody>
       </p:sp>
       <p:sp>
@@ -1550,7 +1650,7 @@
     </p:spTree>
     <p:extLst>
       <p:ext uri="{BB962C8B-B14F-4D97-AF65-F5344CB8AC3E}">
-        <p14:creationId xmlns:p14="http://schemas.microsoft.com/office/powerpoint/2010/main" val="485806761"/>
+        <p14:creationId xmlns:p14="http://schemas.microsoft.com/office/powerpoint/2010/main" val="3240622433"/>
       </p:ext>
     </p:extLst>
   </p:cSld>
@@ -1607,14 +1707,6 @@
             <a:pPr marL="0" algn="r" defTabSz="914400" rtl="1" eaLnBrk="1" latinLnBrk="0" hangingPunct="1"/>
             <a:r>
               <a:rPr lang="he-IL" dirty="0"/>
-              <a:t>זה הדרך המקובלת</a:t>
-            </a:r>
-            <a:endParaRPr lang="en-US" dirty="0"/>
-          </a:p>
-          <a:p>
-            <a:pPr marL="0" algn="r" defTabSz="914400" rtl="1" eaLnBrk="1" latinLnBrk="0" hangingPunct="1"/>
-            <a:r>
-              <a:rPr lang="he-IL" dirty="0"/>
               <a:t>כשיש מספר ב</a:t>
             </a:r>
             <a:r>
@@ -1682,7 +1774,7 @@
     </p:spTree>
     <p:extLst>
       <p:ext uri="{BB962C8B-B14F-4D97-AF65-F5344CB8AC3E}">
-        <p14:creationId xmlns:p14="http://schemas.microsoft.com/office/powerpoint/2010/main" val="1274731099"/>
+        <p14:creationId xmlns:p14="http://schemas.microsoft.com/office/powerpoint/2010/main" val="485806761"/>
       </p:ext>
     </p:extLst>
   </p:cSld>
@@ -1737,6 +1829,53 @@
           <a:lstStyle/>
           <a:p>
             <a:pPr marL="0" algn="r" defTabSz="914400" rtl="1" eaLnBrk="1" latinLnBrk="0" hangingPunct="1"/>
+            <a:r>
+              <a:rPr lang="he-IL" dirty="0"/>
+              <a:t>זה הדרך המקובלת</a:t>
+            </a:r>
+            <a:endParaRPr lang="en-US" dirty="0"/>
+          </a:p>
+          <a:p>
+            <a:pPr marL="0" algn="r" defTabSz="914400" rtl="1" eaLnBrk="1" latinLnBrk="0" hangingPunct="1"/>
+            <a:r>
+              <a:rPr lang="he-IL" dirty="0"/>
+              <a:t>כשיש מספר ב</a:t>
+            </a:r>
+            <a:r>
+              <a:rPr lang="en-US" dirty="0"/>
+              <a:t>route</a:t>
+            </a:r>
+            <a:r>
+              <a:rPr lang="he-IL" dirty="0"/>
+              <a:t> זה בעיה! כיצד נשנה את זה?</a:t>
+            </a:r>
+            <a:endParaRPr lang="en-US" dirty="0"/>
+          </a:p>
+          <a:p>
+            <a:pPr marL="0" algn="r" defTabSz="914400" rtl="1" eaLnBrk="1" latinLnBrk="0" hangingPunct="1"/>
+            <a:r>
+              <a:rPr lang="he-IL" dirty="0"/>
+              <a:t>לציין את ההבדל של להעמיס את </a:t>
+            </a:r>
+            <a:r>
+              <a:rPr lang="he-IL" dirty="0" err="1"/>
+              <a:t>הפוקציה</a:t>
+            </a:r>
+            <a:r>
+              <a:rPr lang="he-IL" dirty="0"/>
+              <a:t> עם עוד דקורטורים לבין לעשות </a:t>
+            </a:r>
+            <a:r>
+              <a:rPr lang="en-US" dirty="0"/>
+              <a:t>redirect</a:t>
+            </a:r>
+            <a:r>
+              <a:rPr lang="he-IL" dirty="0"/>
+              <a:t> ולהוסיף עוד פונקציה עם לוגיקה נוספת</a:t>
+            </a:r>
+          </a:p>
+          <a:p>
+            <a:pPr marL="0" algn="r" defTabSz="914400" rtl="1" eaLnBrk="1" latinLnBrk="0" hangingPunct="1"/>
             <a:endParaRPr lang="en-US" dirty="0"/>
           </a:p>
         </p:txBody>
@@ -1767,7 +1906,7 @@
     </p:spTree>
     <p:extLst>
       <p:ext uri="{BB962C8B-B14F-4D97-AF65-F5344CB8AC3E}">
-        <p14:creationId xmlns:p14="http://schemas.microsoft.com/office/powerpoint/2010/main" val="1156709374"/>
+        <p14:creationId xmlns:p14="http://schemas.microsoft.com/office/powerpoint/2010/main" val="1274731099"/>
       </p:ext>
     </p:extLst>
   </p:cSld>
@@ -4124,7 +4263,7 @@
           <a:p>
             <a:fld id="{B1594BF9-9545-5146-9B36-52C3009DFD5B}" type="datetime1">
               <a:rPr lang="en-US" smtClean="0"/>
-              <a:t>12/8/20</a:t>
+              <a:t>4/25/21</a:t>
             </a:fld>
             <a:endParaRPr lang="en-US"/>
           </a:p>
@@ -6614,7 +6753,7 @@
           <a:p>
             <a:fld id="{0B4C31AD-AE96-1843-9F53-89EF7B21E3B6}" type="datetime1">
               <a:rPr lang="en-US" smtClean="0"/>
-              <a:t>12/8/20</a:t>
+              <a:t>4/25/21</a:t>
             </a:fld>
             <a:endParaRPr lang="en-US"/>
           </a:p>
@@ -6812,7 +6951,7 @@
           <a:p>
             <a:fld id="{B1B4C1A5-5C9E-F344-B3D5-658DD73E1128}" type="datetime1">
               <a:rPr lang="en-US" smtClean="0"/>
-              <a:t>12/8/20</a:t>
+              <a:t>4/25/21</a:t>
             </a:fld>
             <a:endParaRPr lang="en-US"/>
           </a:p>
@@ -7020,7 +7159,7 @@
           <a:p>
             <a:fld id="{9FC51F77-9C3D-5E40-A8B2-46453E3B6E43}" type="datetime1">
               <a:rPr lang="en-US" smtClean="0"/>
-              <a:t>12/8/20</a:t>
+              <a:t>4/25/21</a:t>
             </a:fld>
             <a:endParaRPr lang="en-US"/>
           </a:p>
@@ -7757,7 +7896,7 @@
           <a:p>
             <a:fld id="{280D95B4-A5D9-B74F-A981-B5F53E7ED6FB}" type="datetime1">
               <a:rPr lang="en-US" smtClean="0"/>
-              <a:t>12/8/20</a:t>
+              <a:t>4/25/21</a:t>
             </a:fld>
             <a:endParaRPr lang="en-US"/>
           </a:p>
@@ -8399,7 +8538,7 @@
           <a:p>
             <a:fld id="{116DE3D2-DCC1-8E45-9614-6E42FCEB31A5}" type="datetime1">
               <a:rPr lang="en-US" smtClean="0"/>
-              <a:t>12/8/20</a:t>
+              <a:t>4/25/21</a:t>
             </a:fld>
             <a:endParaRPr lang="en-US"/>
           </a:p>
@@ -9199,7 +9338,7 @@
           <a:p>
             <a:fld id="{43C05CF2-D19B-6D4F-9F1C-B9B4837773DF}" type="datetime1">
               <a:rPr lang="en-US" smtClean="0"/>
-              <a:t>12/8/20</a:t>
+              <a:t>4/25/21</a:t>
             </a:fld>
             <a:endParaRPr lang="en-US"/>
           </a:p>
@@ -10150,7 +10289,7 @@
           <a:p>
             <a:fld id="{185C162C-DC6E-2341-8BF1-6F6DCBA55482}" type="datetime1">
               <a:rPr lang="en-US" smtClean="0"/>
-              <a:t>12/8/20</a:t>
+              <a:t>4/25/21</a:t>
             </a:fld>
             <a:endParaRPr lang="en-US"/>
           </a:p>
@@ -12499,7 +12638,7 @@
           <a:p>
             <a:fld id="{787FC823-DE43-6C4A-AD43-01421086DC7A}" type="datetime1">
               <a:rPr lang="en-US" smtClean="0"/>
-              <a:t>12/8/20</a:t>
+              <a:t>4/25/21</a:t>
             </a:fld>
             <a:endParaRPr lang="en-US"/>
           </a:p>
@@ -12612,7 +12751,7 @@
           <a:p>
             <a:fld id="{727376A1-6F0A-9A46-B656-2413603BB76F}" type="datetime1">
               <a:rPr lang="en-US" smtClean="0"/>
-              <a:t>12/8/20</a:t>
+              <a:t>4/25/21</a:t>
             </a:fld>
             <a:endParaRPr lang="en-US"/>
           </a:p>
@@ -13119,7 +13258,7 @@
           <a:p>
             <a:fld id="{E9615236-1845-164F-BED2-F0BE6118DB31}" type="datetime1">
               <a:rPr lang="en-US" smtClean="0"/>
-              <a:t>12/8/20</a:t>
+              <a:t>4/25/21</a:t>
             </a:fld>
             <a:endParaRPr lang="en-US"/>
           </a:p>
@@ -14422,7 +14561,7 @@
           <a:p>
             <a:fld id="{EDC433A5-F7A6-434A-9F78-8C41A204696C}" type="datetime1">
               <a:rPr lang="en-US" smtClean="0"/>
-              <a:t>12/8/20</a:t>
+              <a:t>4/25/21</a:t>
             </a:fld>
             <a:endParaRPr lang="en-US"/>
           </a:p>
@@ -14669,7 +14808,7 @@
           <a:p>
             <a:fld id="{4AE19DD7-7DA8-084D-9AE4-CCB2D147EA86}" type="datetime1">
               <a:rPr lang="en-US" smtClean="0"/>
-              <a:t>12/8/20</a:t>
+              <a:t>4/25/21</a:t>
             </a:fld>
             <a:endParaRPr lang="en-US"/>
           </a:p>
@@ -17090,6 +17229,355 @@
           <p:cNvPr id="2" name="Title 1">
             <a:extLst>
               <a:ext uri="{FF2B5EF4-FFF2-40B4-BE49-F238E27FC236}">
+                <a16:creationId xmlns:a16="http://schemas.microsoft.com/office/drawing/2014/main" id="{4F400CB8-0A51-834F-9888-F103EDA31AC8}"/>
+              </a:ext>
+            </a:extLst>
+          </p:cNvPr>
+          <p:cNvSpPr>
+            <a:spLocks noGrp="1"/>
+          </p:cNvSpPr>
+          <p:nvPr>
+            <p:ph type="title"/>
+          </p:nvPr>
+        </p:nvSpPr>
+        <p:spPr/>
+        <p:txBody>
+          <a:bodyPr/>
+          <a:lstStyle/>
+          <a:p>
+            <a:pPr algn="r" rtl="1"/>
+            <a:r>
+              <a:rPr lang="en-US" dirty="0"/>
+              <a:t>Turn on DEBUG mode</a:t>
+            </a:r>
+          </a:p>
+        </p:txBody>
+      </p:sp>
+      <p:sp>
+        <p:nvSpPr>
+          <p:cNvPr id="3" name="Content Placeholder 2">
+            <a:extLst>
+              <a:ext uri="{FF2B5EF4-FFF2-40B4-BE49-F238E27FC236}">
+                <a16:creationId xmlns:a16="http://schemas.microsoft.com/office/drawing/2014/main" id="{609AAEED-B3AF-AF4A-8607-66F3E5082C54}"/>
+              </a:ext>
+            </a:extLst>
+          </p:cNvPr>
+          <p:cNvSpPr>
+            <a:spLocks noGrp="1"/>
+          </p:cNvSpPr>
+          <p:nvPr>
+            <p:ph idx="1"/>
+          </p:nvPr>
+        </p:nvSpPr>
+        <p:spPr>
+          <a:xfrm>
+            <a:off x="838200" y="2011680"/>
+            <a:ext cx="5599446" cy="4160520"/>
+          </a:xfrm>
+        </p:spPr>
+        <p:txBody>
+          <a:bodyPr/>
+          <a:lstStyle/>
+          <a:p>
+            <a:pPr marL="228600" indent="-228600" algn="l" defTabSz="914400" eaLnBrk="1" latinLnBrk="0" hangingPunct="1">
+              <a:lnSpc>
+                <a:spcPct val="100000"/>
+              </a:lnSpc>
+              <a:spcBef>
+                <a:spcPts val="1000"/>
+              </a:spcBef>
+              <a:buFont typeface="Arial" panose="020B0604020202020204" pitchFamily="34" charset="0"/>
+              <a:buChar char="•"/>
+            </a:pPr>
+            <a:r>
+              <a:rPr lang="en-US" dirty="0"/>
+              <a:t>Go to ‘Edit Configurations…’</a:t>
+            </a:r>
+          </a:p>
+          <a:p>
+            <a:pPr marL="228600" indent="-228600" algn="l" defTabSz="914400" eaLnBrk="1" latinLnBrk="0" hangingPunct="1">
+              <a:lnSpc>
+                <a:spcPct val="100000"/>
+              </a:lnSpc>
+              <a:spcBef>
+                <a:spcPts val="1000"/>
+              </a:spcBef>
+              <a:buFont typeface="Arial" panose="020B0604020202020204" pitchFamily="34" charset="0"/>
+              <a:buChar char="•"/>
+            </a:pPr>
+            <a:r>
+              <a:rPr lang="en-US" dirty="0"/>
+              <a:t>Press v on ‘FLASK_DEBUG’</a:t>
+            </a:r>
+          </a:p>
+          <a:p>
+            <a:pPr marL="228600" indent="-228600" algn="l" defTabSz="914400" eaLnBrk="1" latinLnBrk="0" hangingPunct="1">
+              <a:lnSpc>
+                <a:spcPct val="100000"/>
+              </a:lnSpc>
+              <a:spcBef>
+                <a:spcPts val="1000"/>
+              </a:spcBef>
+              <a:buFont typeface="Arial" panose="020B0604020202020204" pitchFamily="34" charset="0"/>
+              <a:buChar char="•"/>
+            </a:pPr>
+            <a:r>
+              <a:rPr lang="en-US" dirty="0"/>
+              <a:t>Add ‘debug=True’ to </a:t>
+            </a:r>
+            <a:r>
+              <a:rPr lang="en-US" dirty="0" err="1"/>
+              <a:t>app.run</a:t>
+            </a:r>
+            <a:endParaRPr lang="en-US" dirty="0"/>
+          </a:p>
+        </p:txBody>
+      </p:sp>
+      <p:sp>
+        <p:nvSpPr>
+          <p:cNvPr id="16" name="Slide Number Placeholder 15">
+            <a:extLst>
+              <a:ext uri="{FF2B5EF4-FFF2-40B4-BE49-F238E27FC236}">
+                <a16:creationId xmlns:a16="http://schemas.microsoft.com/office/drawing/2014/main" id="{D132C4CB-E489-254F-AE23-9DA9623C2F35}"/>
+              </a:ext>
+            </a:extLst>
+          </p:cNvPr>
+          <p:cNvSpPr>
+            <a:spLocks noGrp="1"/>
+          </p:cNvSpPr>
+          <p:nvPr>
+            <p:ph type="sldNum" sz="quarter" idx="12"/>
+          </p:nvPr>
+        </p:nvSpPr>
+        <p:spPr/>
+        <p:txBody>
+          <a:bodyPr/>
+          <a:lstStyle/>
+          <a:p>
+            <a:fld id="{51845F5A-061D-4825-9AE9-D7794091C6CF}" type="slidenum">
+              <a:rPr lang="en-US" smtClean="0"/>
+              <a:t>14</a:t>
+            </a:fld>
+            <a:endParaRPr lang="en-US"/>
+          </a:p>
+        </p:txBody>
+      </p:sp>
+      <p:pic>
+        <p:nvPicPr>
+          <p:cNvPr id="6" name="Picture 5" descr="A screen shot of a game&#10;&#10;Description automatically generated with low confidence">
+            <a:extLst>
+              <a:ext uri="{FF2B5EF4-FFF2-40B4-BE49-F238E27FC236}">
+                <a16:creationId xmlns:a16="http://schemas.microsoft.com/office/drawing/2014/main" id="{0FD4F733-A837-CF4F-AF21-0F72049CB6DE}"/>
+              </a:ext>
+            </a:extLst>
+          </p:cNvPr>
+          <p:cNvPicPr>
+            <a:picLocks noChangeAspect="1"/>
+          </p:cNvPicPr>
+          <p:nvPr/>
+        </p:nvPicPr>
+        <p:blipFill>
+          <a:blip r:embed="rId3"/>
+          <a:stretch>
+            <a:fillRect/>
+          </a:stretch>
+        </p:blipFill>
+        <p:spPr>
+          <a:xfrm>
+            <a:off x="6437646" y="2221962"/>
+            <a:ext cx="4916154" cy="1631218"/>
+          </a:xfrm>
+          <a:prstGeom prst="rect">
+            <a:avLst/>
+          </a:prstGeom>
+        </p:spPr>
+      </p:pic>
+      <p:pic>
+        <p:nvPicPr>
+          <p:cNvPr id="10" name="Picture 9" descr="A screenshot of a computer&#10;&#10;Description automatically generated">
+            <a:extLst>
+              <a:ext uri="{FF2B5EF4-FFF2-40B4-BE49-F238E27FC236}">
+                <a16:creationId xmlns:a16="http://schemas.microsoft.com/office/drawing/2014/main" id="{9116288F-3868-394D-BB06-7AB4A22A3FEB}"/>
+              </a:ext>
+            </a:extLst>
+          </p:cNvPr>
+          <p:cNvPicPr>
+            <a:picLocks noChangeAspect="1"/>
+          </p:cNvPicPr>
+          <p:nvPr/>
+        </p:nvPicPr>
+        <p:blipFill>
+          <a:blip r:embed="rId4"/>
+          <a:stretch>
+            <a:fillRect/>
+          </a:stretch>
+        </p:blipFill>
+        <p:spPr>
+          <a:xfrm>
+            <a:off x="361123" y="4189901"/>
+            <a:ext cx="8484704" cy="2503424"/>
+          </a:xfrm>
+          <a:prstGeom prst="rect">
+            <a:avLst/>
+          </a:prstGeom>
+        </p:spPr>
+      </p:pic>
+      <p:cxnSp>
+        <p:nvCxnSpPr>
+          <p:cNvPr id="12" name="Straight Arrow Connector 11">
+            <a:extLst>
+              <a:ext uri="{FF2B5EF4-FFF2-40B4-BE49-F238E27FC236}">
+                <a16:creationId xmlns:a16="http://schemas.microsoft.com/office/drawing/2014/main" id="{B9D56BB7-967C-DB40-AFC0-5365523F602F}"/>
+              </a:ext>
+            </a:extLst>
+          </p:cNvPr>
+          <p:cNvCxnSpPr/>
+          <p:nvPr/>
+        </p:nvCxnSpPr>
+        <p:spPr>
+          <a:xfrm flipH="1">
+            <a:off x="4092315" y="3147934"/>
+            <a:ext cx="3882452" cy="2878112"/>
+          </a:xfrm>
+          <a:prstGeom prst="straightConnector1">
+            <a:avLst/>
+          </a:prstGeom>
+          <a:ln w="76200">
+            <a:solidFill>
+              <a:srgbClr val="C00000"/>
+            </a:solidFill>
+            <a:tailEnd type="triangle"/>
+          </a:ln>
+        </p:spPr>
+        <p:style>
+          <a:lnRef idx="1">
+            <a:schemeClr val="accent1"/>
+          </a:lnRef>
+          <a:fillRef idx="0">
+            <a:schemeClr val="accent1"/>
+          </a:fillRef>
+          <a:effectRef idx="0">
+            <a:schemeClr val="accent1"/>
+          </a:effectRef>
+          <a:fontRef idx="minor">
+            <a:schemeClr val="tx1"/>
+          </a:fontRef>
+        </p:style>
+      </p:cxnSp>
+      <p:pic>
+        <p:nvPicPr>
+          <p:cNvPr id="14" name="Picture 13" descr="Graphical user interface, text, application&#10;&#10;Description automatically generated">
+            <a:extLst>
+              <a:ext uri="{FF2B5EF4-FFF2-40B4-BE49-F238E27FC236}">
+                <a16:creationId xmlns:a16="http://schemas.microsoft.com/office/drawing/2014/main" id="{6653E177-C710-4F48-A386-2A3CFBE1B0A1}"/>
+              </a:ext>
+            </a:extLst>
+          </p:cNvPr>
+          <p:cNvPicPr>
+            <a:picLocks noChangeAspect="1"/>
+          </p:cNvPicPr>
+          <p:nvPr/>
+        </p:nvPicPr>
+        <p:blipFill>
+          <a:blip r:embed="rId5"/>
+          <a:stretch>
+            <a:fillRect/>
+          </a:stretch>
+        </p:blipFill>
+        <p:spPr>
+          <a:xfrm>
+            <a:off x="7746584" y="4835186"/>
+            <a:ext cx="3835400" cy="1028700"/>
+          </a:xfrm>
+          <a:prstGeom prst="rect">
+            <a:avLst/>
+          </a:prstGeom>
+          <a:ln w="76200">
+            <a:solidFill>
+              <a:schemeClr val="bg1"/>
+            </a:solidFill>
+          </a:ln>
+        </p:spPr>
+      </p:pic>
+      <p:cxnSp>
+        <p:nvCxnSpPr>
+          <p:cNvPr id="17" name="Straight Arrow Connector 16">
+            <a:extLst>
+              <a:ext uri="{FF2B5EF4-FFF2-40B4-BE49-F238E27FC236}">
+                <a16:creationId xmlns:a16="http://schemas.microsoft.com/office/drawing/2014/main" id="{D6E00589-0AF1-3047-BB21-C9B00DDE314C}"/>
+              </a:ext>
+            </a:extLst>
+          </p:cNvPr>
+          <p:cNvCxnSpPr>
+            <a:cxnSpLocks/>
+          </p:cNvCxnSpPr>
+          <p:nvPr/>
+        </p:nvCxnSpPr>
+        <p:spPr>
+          <a:xfrm flipV="1">
+            <a:off x="4796852" y="5651293"/>
+            <a:ext cx="4867432" cy="775398"/>
+          </a:xfrm>
+          <a:prstGeom prst="straightConnector1">
+            <a:avLst/>
+          </a:prstGeom>
+          <a:ln w="76200">
+            <a:solidFill>
+              <a:srgbClr val="C00000"/>
+            </a:solidFill>
+            <a:tailEnd type="triangle"/>
+          </a:ln>
+        </p:spPr>
+        <p:style>
+          <a:lnRef idx="1">
+            <a:schemeClr val="accent1"/>
+          </a:lnRef>
+          <a:fillRef idx="0">
+            <a:schemeClr val="accent1"/>
+          </a:fillRef>
+          <a:effectRef idx="0">
+            <a:schemeClr val="accent1"/>
+          </a:effectRef>
+          <a:fontRef idx="minor">
+            <a:schemeClr val="tx1"/>
+          </a:fontRef>
+        </p:style>
+      </p:cxnSp>
+    </p:spTree>
+    <p:extLst>
+      <p:ext uri="{BB962C8B-B14F-4D97-AF65-F5344CB8AC3E}">
+        <p14:creationId xmlns:p14="http://schemas.microsoft.com/office/powerpoint/2010/main" val="1584579462"/>
+      </p:ext>
+    </p:extLst>
+  </p:cSld>
+  <p:clrMapOvr>
+    <a:masterClrMapping/>
+  </p:clrMapOvr>
+</p:sld>
+</file>
+
+<file path=ppt/slides/slide15.xml><?xml version="1.0" encoding="utf-8"?>
+<p:sld xmlns:a="http://schemas.openxmlformats.org/drawingml/2006/main" xmlns:r="http://schemas.openxmlformats.org/officeDocument/2006/relationships" xmlns:p="http://schemas.openxmlformats.org/presentationml/2006/main">
+  <p:cSld>
+    <p:spTree>
+      <p:nvGrpSpPr>
+        <p:cNvPr id="1" name=""/>
+        <p:cNvGrpSpPr/>
+        <p:nvPr/>
+      </p:nvGrpSpPr>
+      <p:grpSpPr>
+        <a:xfrm>
+          <a:off x="0" y="0"/>
+          <a:ext cx="0" cy="0"/>
+          <a:chOff x="0" y="0"/>
+          <a:chExt cx="0" cy="0"/>
+        </a:xfrm>
+      </p:grpSpPr>
+      <p:sp>
+        <p:nvSpPr>
+          <p:cNvPr id="2" name="Title 1">
+            <a:extLst>
+              <a:ext uri="{FF2B5EF4-FFF2-40B4-BE49-F238E27FC236}">
                 <a16:creationId xmlns:a16="http://schemas.microsoft.com/office/drawing/2014/main" id="{EA16EDBF-792B-664C-8CCF-E7BABE14AABB}"/>
               </a:ext>
             </a:extLst>
@@ -17224,7 +17712,7 @@
           <a:p>
             <a:fld id="{51845F5A-061D-4825-9AE9-D7794091C6CF}" type="slidenum">
               <a:rPr lang="en-US" smtClean="0"/>
-              <a:t>14</a:t>
+              <a:t>15</a:t>
             </a:fld>
             <a:endParaRPr lang="en-US"/>
           </a:p>
@@ -17243,7 +17731,7 @@
 </p:sld>
 </file>
 
-<file path=ppt/slides/slide15.xml><?xml version="1.0" encoding="utf-8"?>
+<file path=ppt/slides/slide16.xml><?xml version="1.0" encoding="utf-8"?>
 <p:sld xmlns:a="http://schemas.openxmlformats.org/drawingml/2006/main" xmlns:r="http://schemas.openxmlformats.org/officeDocument/2006/relationships" xmlns:p="http://schemas.openxmlformats.org/presentationml/2006/main">
   <p:cSld>
     <p:spTree>
@@ -17492,7 +17980,7 @@
           <a:p>
             <a:fld id="{51845F5A-061D-4825-9AE9-D7794091C6CF}" type="slidenum">
               <a:rPr lang="en-US" smtClean="0"/>
-              <a:t>15</a:t>
+              <a:t>16</a:t>
             </a:fld>
             <a:endParaRPr lang="en-US"/>
           </a:p>
@@ -17511,7 +17999,7 @@
 </p:sld>
 </file>
 
-<file path=ppt/slides/slide16.xml><?xml version="1.0" encoding="utf-8"?>
+<file path=ppt/slides/slide17.xml><?xml version="1.0" encoding="utf-8"?>
 <p:sld xmlns:a="http://schemas.openxmlformats.org/drawingml/2006/main" xmlns:r="http://schemas.openxmlformats.org/officeDocument/2006/relationships" xmlns:p="http://schemas.openxmlformats.org/presentationml/2006/main">
   <p:cSld>
     <p:spTree>
@@ -17795,7 +18283,7 @@
           <a:p>
             <a:fld id="{51845F5A-061D-4825-9AE9-D7794091C6CF}" type="slidenum">
               <a:rPr lang="en-US" smtClean="0"/>
-              <a:t>16</a:t>
+              <a:t>17</a:t>
             </a:fld>
             <a:endParaRPr lang="en-US"/>
           </a:p>
@@ -17814,7 +18302,7 @@
 </p:sld>
 </file>
 
-<file path=ppt/slides/slide17.xml><?xml version="1.0" encoding="utf-8"?>
+<file path=ppt/slides/slide18.xml><?xml version="1.0" encoding="utf-8"?>
 <p:sld xmlns:a="http://schemas.openxmlformats.org/drawingml/2006/main" xmlns:r="http://schemas.openxmlformats.org/officeDocument/2006/relationships" xmlns:p="http://schemas.openxmlformats.org/presentationml/2006/main">
   <p:cSld>
     <p:spTree>
@@ -18125,7 +18613,7 @@
           <a:p>
             <a:fld id="{51845F5A-061D-4825-9AE9-D7794091C6CF}" type="slidenum">
               <a:rPr lang="en-US" smtClean="0"/>
-              <a:t>17</a:t>
+              <a:t>18</a:t>
             </a:fld>
             <a:endParaRPr lang="en-US"/>
           </a:p>
@@ -18144,7 +18632,7 @@
 </p:sld>
 </file>
 
-<file path=ppt/slides/slide18.xml><?xml version="1.0" encoding="utf-8"?>
+<file path=ppt/slides/slide19.xml><?xml version="1.0" encoding="utf-8"?>
 <p:sld xmlns:a="http://schemas.openxmlformats.org/drawingml/2006/main" xmlns:r="http://schemas.openxmlformats.org/officeDocument/2006/relationships" xmlns:p="http://schemas.openxmlformats.org/presentationml/2006/main">
   <p:cSld>
     <p:spTree>
@@ -18410,7 +18898,7 @@
           <a:p>
             <a:fld id="{51845F5A-061D-4825-9AE9-D7794091C6CF}" type="slidenum">
               <a:rPr lang="en-US" smtClean="0"/>
-              <a:t>18</a:t>
+              <a:t>19</a:t>
             </a:fld>
             <a:endParaRPr lang="en-US"/>
           </a:p>
@@ -18429,7 +18917,150 @@
 </p:sld>
 </file>
 
-<file path=ppt/slides/slide19.xml><?xml version="1.0" encoding="utf-8"?>
+<file path=ppt/slides/slide2.xml><?xml version="1.0" encoding="utf-8"?>
+<p:sld xmlns:a="http://schemas.openxmlformats.org/drawingml/2006/main" xmlns:r="http://schemas.openxmlformats.org/officeDocument/2006/relationships" xmlns:p="http://schemas.openxmlformats.org/presentationml/2006/main">
+  <p:cSld>
+    <p:spTree>
+      <p:nvGrpSpPr>
+        <p:cNvPr id="1" name=""/>
+        <p:cNvGrpSpPr/>
+        <p:nvPr/>
+      </p:nvGrpSpPr>
+      <p:grpSpPr>
+        <a:xfrm>
+          <a:off x="0" y="0"/>
+          <a:ext cx="0" cy="0"/>
+          <a:chOff x="0" y="0"/>
+          <a:chExt cx="0" cy="0"/>
+        </a:xfrm>
+      </p:grpSpPr>
+      <p:sp>
+        <p:nvSpPr>
+          <p:cNvPr id="2" name="Title 1">
+            <a:extLst>
+              <a:ext uri="{FF2B5EF4-FFF2-40B4-BE49-F238E27FC236}">
+                <a16:creationId xmlns:a16="http://schemas.microsoft.com/office/drawing/2014/main" id="{3D7D45D4-397D-2B48-B167-166CFEFC0E6C}"/>
+              </a:ext>
+            </a:extLst>
+          </p:cNvPr>
+          <p:cNvSpPr>
+            <a:spLocks noGrp="1"/>
+          </p:cNvSpPr>
+          <p:nvPr>
+            <p:ph type="title"/>
+          </p:nvPr>
+        </p:nvSpPr>
+        <p:spPr/>
+        <p:txBody>
+          <a:bodyPr/>
+          <a:lstStyle/>
+          <a:p>
+            <a:pPr algn="r" rtl="1"/>
+            <a:r>
+              <a:rPr lang="he-IL" dirty="0"/>
+              <a:t>נושא ההרצאה</a:t>
+            </a:r>
+            <a:endParaRPr lang="en-US" dirty="0"/>
+          </a:p>
+        </p:txBody>
+      </p:sp>
+      <p:sp>
+        <p:nvSpPr>
+          <p:cNvPr id="3" name="Content Placeholder 2">
+            <a:extLst>
+              <a:ext uri="{FF2B5EF4-FFF2-40B4-BE49-F238E27FC236}">
+                <a16:creationId xmlns:a16="http://schemas.microsoft.com/office/drawing/2014/main" id="{A586AD48-9B6E-DB41-9B0C-926E78F4BF79}"/>
+              </a:ext>
+            </a:extLst>
+          </p:cNvPr>
+          <p:cNvSpPr>
+            <a:spLocks noGrp="1"/>
+          </p:cNvSpPr>
+          <p:nvPr>
+            <p:ph idx="1"/>
+          </p:nvPr>
+        </p:nvSpPr>
+        <p:spPr/>
+        <p:txBody>
+          <a:bodyPr/>
+          <a:lstStyle/>
+          <a:p>
+            <a:pPr marL="228600" indent="-228600" algn="r" defTabSz="914400" rtl="1" eaLnBrk="1" latinLnBrk="0" hangingPunct="1">
+              <a:lnSpc>
+                <a:spcPct val="100000"/>
+              </a:lnSpc>
+              <a:spcBef>
+                <a:spcPts val="1000"/>
+              </a:spcBef>
+              <a:buFont typeface="Arial" panose="020B0604020202020204" pitchFamily="34" charset="0"/>
+              <a:buChar char="•"/>
+            </a:pPr>
+            <a:r>
+              <a:rPr lang="he-IL" dirty="0"/>
+              <a:t>כיצד עובד האינטרנט</a:t>
+            </a:r>
+          </a:p>
+          <a:p>
+            <a:pPr marL="228600" indent="-228600" algn="r" defTabSz="914400" rtl="1" eaLnBrk="1" latinLnBrk="0" hangingPunct="1">
+              <a:lnSpc>
+                <a:spcPct val="100000"/>
+              </a:lnSpc>
+              <a:spcBef>
+                <a:spcPts val="1000"/>
+              </a:spcBef>
+              <a:buFont typeface="Arial" panose="020B0604020202020204" pitchFamily="34" charset="0"/>
+              <a:buChar char="•"/>
+            </a:pPr>
+            <a:r>
+              <a:rPr lang="en-US" dirty="0"/>
+              <a:t>Flask</a:t>
+            </a:r>
+          </a:p>
+        </p:txBody>
+      </p:sp>
+      <p:sp>
+        <p:nvSpPr>
+          <p:cNvPr id="4" name="Slide Number Placeholder 3">
+            <a:extLst>
+              <a:ext uri="{FF2B5EF4-FFF2-40B4-BE49-F238E27FC236}">
+                <a16:creationId xmlns:a16="http://schemas.microsoft.com/office/drawing/2014/main" id="{317F1D66-D6DF-584B-A66A-46E2E9218BA7}"/>
+              </a:ext>
+            </a:extLst>
+          </p:cNvPr>
+          <p:cNvSpPr>
+            <a:spLocks noGrp="1"/>
+          </p:cNvSpPr>
+          <p:nvPr>
+            <p:ph type="sldNum" sz="quarter" idx="12"/>
+          </p:nvPr>
+        </p:nvSpPr>
+        <p:spPr/>
+        <p:txBody>
+          <a:bodyPr/>
+          <a:lstStyle/>
+          <a:p>
+            <a:fld id="{51845F5A-061D-4825-9AE9-D7794091C6CF}" type="slidenum">
+              <a:rPr lang="en-US" smtClean="0"/>
+              <a:t>2</a:t>
+            </a:fld>
+            <a:endParaRPr lang="en-US"/>
+          </a:p>
+        </p:txBody>
+      </p:sp>
+    </p:spTree>
+    <p:extLst>
+      <p:ext uri="{BB962C8B-B14F-4D97-AF65-F5344CB8AC3E}">
+        <p14:creationId xmlns:p14="http://schemas.microsoft.com/office/powerpoint/2010/main" val="3810375445"/>
+      </p:ext>
+    </p:extLst>
+  </p:cSld>
+  <p:clrMapOvr>
+    <a:masterClrMapping/>
+  </p:clrMapOvr>
+</p:sld>
+</file>
+
+<file path=ppt/slides/slide20.xml><?xml version="1.0" encoding="utf-8"?>
 <p:sld xmlns:a="http://schemas.openxmlformats.org/drawingml/2006/main" xmlns:r="http://schemas.openxmlformats.org/officeDocument/2006/relationships" xmlns:p="http://schemas.openxmlformats.org/presentationml/2006/main">
   <p:cSld>
     <p:spTree>
@@ -18711,7 +19342,7 @@
           <a:p>
             <a:fld id="{51845F5A-061D-4825-9AE9-D7794091C6CF}" type="slidenum">
               <a:rPr lang="en-US" smtClean="0"/>
-              <a:t>19</a:t>
+              <a:t>20</a:t>
             </a:fld>
             <a:endParaRPr lang="en-US"/>
           </a:p>
@@ -18730,150 +19361,7 @@
 </p:sld>
 </file>
 
-<file path=ppt/slides/slide2.xml><?xml version="1.0" encoding="utf-8"?>
-<p:sld xmlns:a="http://schemas.openxmlformats.org/drawingml/2006/main" xmlns:r="http://schemas.openxmlformats.org/officeDocument/2006/relationships" xmlns:p="http://schemas.openxmlformats.org/presentationml/2006/main">
-  <p:cSld>
-    <p:spTree>
-      <p:nvGrpSpPr>
-        <p:cNvPr id="1" name=""/>
-        <p:cNvGrpSpPr/>
-        <p:nvPr/>
-      </p:nvGrpSpPr>
-      <p:grpSpPr>
-        <a:xfrm>
-          <a:off x="0" y="0"/>
-          <a:ext cx="0" cy="0"/>
-          <a:chOff x="0" y="0"/>
-          <a:chExt cx="0" cy="0"/>
-        </a:xfrm>
-      </p:grpSpPr>
-      <p:sp>
-        <p:nvSpPr>
-          <p:cNvPr id="2" name="Title 1">
-            <a:extLst>
-              <a:ext uri="{FF2B5EF4-FFF2-40B4-BE49-F238E27FC236}">
-                <a16:creationId xmlns:a16="http://schemas.microsoft.com/office/drawing/2014/main" id="{3D7D45D4-397D-2B48-B167-166CFEFC0E6C}"/>
-              </a:ext>
-            </a:extLst>
-          </p:cNvPr>
-          <p:cNvSpPr>
-            <a:spLocks noGrp="1"/>
-          </p:cNvSpPr>
-          <p:nvPr>
-            <p:ph type="title"/>
-          </p:nvPr>
-        </p:nvSpPr>
-        <p:spPr/>
-        <p:txBody>
-          <a:bodyPr/>
-          <a:lstStyle/>
-          <a:p>
-            <a:pPr algn="r" rtl="1"/>
-            <a:r>
-              <a:rPr lang="he-IL" dirty="0"/>
-              <a:t>נושא ההרצאה</a:t>
-            </a:r>
-            <a:endParaRPr lang="en-US" dirty="0"/>
-          </a:p>
-        </p:txBody>
-      </p:sp>
-      <p:sp>
-        <p:nvSpPr>
-          <p:cNvPr id="3" name="Content Placeholder 2">
-            <a:extLst>
-              <a:ext uri="{FF2B5EF4-FFF2-40B4-BE49-F238E27FC236}">
-                <a16:creationId xmlns:a16="http://schemas.microsoft.com/office/drawing/2014/main" id="{A586AD48-9B6E-DB41-9B0C-926E78F4BF79}"/>
-              </a:ext>
-            </a:extLst>
-          </p:cNvPr>
-          <p:cNvSpPr>
-            <a:spLocks noGrp="1"/>
-          </p:cNvSpPr>
-          <p:nvPr>
-            <p:ph idx="1"/>
-          </p:nvPr>
-        </p:nvSpPr>
-        <p:spPr/>
-        <p:txBody>
-          <a:bodyPr/>
-          <a:lstStyle/>
-          <a:p>
-            <a:pPr marL="228600" indent="-228600" algn="r" defTabSz="914400" rtl="1" eaLnBrk="1" latinLnBrk="0" hangingPunct="1">
-              <a:lnSpc>
-                <a:spcPct val="100000"/>
-              </a:lnSpc>
-              <a:spcBef>
-                <a:spcPts val="1000"/>
-              </a:spcBef>
-              <a:buFont typeface="Arial" panose="020B0604020202020204" pitchFamily="34" charset="0"/>
-              <a:buChar char="•"/>
-            </a:pPr>
-            <a:r>
-              <a:rPr lang="he-IL" dirty="0"/>
-              <a:t>כיצד עובד האינטרנט</a:t>
-            </a:r>
-          </a:p>
-          <a:p>
-            <a:pPr marL="228600" indent="-228600" algn="r" defTabSz="914400" rtl="1" eaLnBrk="1" latinLnBrk="0" hangingPunct="1">
-              <a:lnSpc>
-                <a:spcPct val="100000"/>
-              </a:lnSpc>
-              <a:spcBef>
-                <a:spcPts val="1000"/>
-              </a:spcBef>
-              <a:buFont typeface="Arial" panose="020B0604020202020204" pitchFamily="34" charset="0"/>
-              <a:buChar char="•"/>
-            </a:pPr>
-            <a:r>
-              <a:rPr lang="en-US" dirty="0"/>
-              <a:t>Flask</a:t>
-            </a:r>
-          </a:p>
-        </p:txBody>
-      </p:sp>
-      <p:sp>
-        <p:nvSpPr>
-          <p:cNvPr id="4" name="Slide Number Placeholder 3">
-            <a:extLst>
-              <a:ext uri="{FF2B5EF4-FFF2-40B4-BE49-F238E27FC236}">
-                <a16:creationId xmlns:a16="http://schemas.microsoft.com/office/drawing/2014/main" id="{317F1D66-D6DF-584B-A66A-46E2E9218BA7}"/>
-              </a:ext>
-            </a:extLst>
-          </p:cNvPr>
-          <p:cNvSpPr>
-            <a:spLocks noGrp="1"/>
-          </p:cNvSpPr>
-          <p:nvPr>
-            <p:ph type="sldNum" sz="quarter" idx="12"/>
-          </p:nvPr>
-        </p:nvSpPr>
-        <p:spPr/>
-        <p:txBody>
-          <a:bodyPr/>
-          <a:lstStyle/>
-          <a:p>
-            <a:fld id="{51845F5A-061D-4825-9AE9-D7794091C6CF}" type="slidenum">
-              <a:rPr lang="en-US" smtClean="0"/>
-              <a:t>2</a:t>
-            </a:fld>
-            <a:endParaRPr lang="en-US"/>
-          </a:p>
-        </p:txBody>
-      </p:sp>
-    </p:spTree>
-    <p:extLst>
-      <p:ext uri="{BB962C8B-B14F-4D97-AF65-F5344CB8AC3E}">
-        <p14:creationId xmlns:p14="http://schemas.microsoft.com/office/powerpoint/2010/main" val="3810375445"/>
-      </p:ext>
-    </p:extLst>
-  </p:cSld>
-  <p:clrMapOvr>
-    <a:masterClrMapping/>
-  </p:clrMapOvr>
-</p:sld>
-</file>
-
-<file path=ppt/slides/slide20.xml><?xml version="1.0" encoding="utf-8"?>
+<file path=ppt/slides/slide21.xml><?xml version="1.0" encoding="utf-8"?>
 <p:sld xmlns:a="http://schemas.openxmlformats.org/drawingml/2006/main" xmlns:r="http://schemas.openxmlformats.org/officeDocument/2006/relationships" xmlns:p="http://schemas.openxmlformats.org/presentationml/2006/main">
   <p:cSld>
     <p:spTree>
@@ -19198,7 +19686,7 @@
           <a:p>
             <a:fld id="{51845F5A-061D-4825-9AE9-D7794091C6CF}" type="slidenum">
               <a:rPr lang="en-US" smtClean="0"/>
-              <a:t>20</a:t>
+              <a:t>21</a:t>
             </a:fld>
             <a:endParaRPr lang="en-US"/>
           </a:p>
@@ -19208,287 +19696,6 @@
     <p:extLst>
       <p:ext uri="{BB962C8B-B14F-4D97-AF65-F5344CB8AC3E}">
         <p14:creationId xmlns:p14="http://schemas.microsoft.com/office/powerpoint/2010/main" val="2017048390"/>
-      </p:ext>
-    </p:extLst>
-  </p:cSld>
-  <p:clrMapOvr>
-    <a:masterClrMapping/>
-  </p:clrMapOvr>
-</p:sld>
-</file>
-
-<file path=ppt/slides/slide21.xml><?xml version="1.0" encoding="utf-8"?>
-<p:sld xmlns:a="http://schemas.openxmlformats.org/drawingml/2006/main" xmlns:r="http://schemas.openxmlformats.org/officeDocument/2006/relationships" xmlns:p="http://schemas.openxmlformats.org/presentationml/2006/main">
-  <p:cSld>
-    <p:spTree>
-      <p:nvGrpSpPr>
-        <p:cNvPr id="1" name=""/>
-        <p:cNvGrpSpPr/>
-        <p:nvPr/>
-      </p:nvGrpSpPr>
-      <p:grpSpPr>
-        <a:xfrm>
-          <a:off x="0" y="0"/>
-          <a:ext cx="0" cy="0"/>
-          <a:chOff x="0" y="0"/>
-          <a:chExt cx="0" cy="0"/>
-        </a:xfrm>
-      </p:grpSpPr>
-      <p:sp>
-        <p:nvSpPr>
-          <p:cNvPr id="2" name="Title 1">
-            <a:extLst>
-              <a:ext uri="{FF2B5EF4-FFF2-40B4-BE49-F238E27FC236}">
-                <a16:creationId xmlns:a16="http://schemas.microsoft.com/office/drawing/2014/main" id="{08454D7F-A13A-0C4E-ADCD-DC8A88D10E77}"/>
-              </a:ext>
-            </a:extLst>
-          </p:cNvPr>
-          <p:cNvSpPr>
-            <a:spLocks noGrp="1"/>
-          </p:cNvSpPr>
-          <p:nvPr>
-            <p:ph type="title"/>
-          </p:nvPr>
-        </p:nvSpPr>
-        <p:spPr/>
-        <p:txBody>
-          <a:bodyPr/>
-          <a:lstStyle/>
-          <a:p>
-            <a:pPr algn="r" defTabSz="914400" rtl="1" eaLnBrk="1" latinLnBrk="0" hangingPunct="1">
-              <a:lnSpc>
-                <a:spcPct val="90000"/>
-              </a:lnSpc>
-              <a:spcBef>
-                <a:spcPct val="0"/>
-              </a:spcBef>
-              <a:buNone/>
-            </a:pPr>
-            <a:r>
-              <a:rPr lang="en-US" dirty="0"/>
-              <a:t>route() Decorator</a:t>
-            </a:r>
-          </a:p>
-        </p:txBody>
-      </p:sp>
-      <p:sp>
-        <p:nvSpPr>
-          <p:cNvPr id="3" name="Content Placeholder 2">
-            <a:extLst>
-              <a:ext uri="{FF2B5EF4-FFF2-40B4-BE49-F238E27FC236}">
-                <a16:creationId xmlns:a16="http://schemas.microsoft.com/office/drawing/2014/main" id="{7E680E4E-B7C5-6148-9940-640E38CF1699}"/>
-              </a:ext>
-            </a:extLst>
-          </p:cNvPr>
-          <p:cNvSpPr>
-            <a:spLocks noGrp="1"/>
-          </p:cNvSpPr>
-          <p:nvPr>
-            <p:ph idx="1"/>
-          </p:nvPr>
-        </p:nvSpPr>
-        <p:spPr/>
-        <p:txBody>
-          <a:bodyPr/>
-          <a:lstStyle/>
-          <a:p>
-            <a:pPr lvl="1" algn="r" rtl="1"/>
-            <a:r>
-              <a:rPr lang="he-IL" dirty="0"/>
-              <a:t>הבדלים בין </a:t>
-            </a:r>
-            <a:r>
-              <a:rPr lang="en-US" dirty="0"/>
-              <a:t>redirect</a:t>
-            </a:r>
-            <a:r>
-              <a:rPr lang="he-IL" dirty="0"/>
-              <a:t> לבין כתיבת </a:t>
-            </a:r>
-            <a:r>
-              <a:rPr lang="en-US" dirty="0"/>
-              <a:t>routes</a:t>
-            </a:r>
-            <a:r>
-              <a:rPr lang="he-IL" dirty="0"/>
-              <a:t> ברצף:</a:t>
-            </a:r>
-          </a:p>
-          <a:p>
-            <a:pPr lvl="2" algn="r" rtl="1"/>
-            <a:r>
-              <a:rPr lang="he-IL" dirty="0"/>
-              <a:t>בשימוש ב-</a:t>
-            </a:r>
-            <a:r>
-              <a:rPr lang="en-US" dirty="0"/>
-              <a:t>redirect</a:t>
-            </a:r>
-            <a:r>
-              <a:rPr lang="he-IL" dirty="0"/>
-              <a:t>:</a:t>
-            </a:r>
-          </a:p>
-          <a:p>
-            <a:pPr lvl="3" algn="r" rtl="1"/>
-            <a:r>
-              <a:rPr lang="he-IL" dirty="0"/>
-              <a:t>ניתן לכתוב לוגיקה כלשהי עבור ה-</a:t>
-            </a:r>
-            <a:r>
-              <a:rPr lang="en-US" dirty="0"/>
-              <a:t>route</a:t>
-            </a:r>
-            <a:r>
-              <a:rPr lang="he-IL" dirty="0"/>
-              <a:t> המסוים לפני המעבר ל-</a:t>
-            </a:r>
-            <a:r>
-              <a:rPr lang="en-US" dirty="0"/>
-              <a:t>route</a:t>
-            </a:r>
-            <a:r>
-              <a:rPr lang="he-IL" dirty="0"/>
-              <a:t> שאליו מפנים (</a:t>
-            </a:r>
-            <a:r>
-              <a:rPr lang="en-US" dirty="0"/>
-              <a:t>login/logout</a:t>
-            </a:r>
-            <a:r>
-              <a:rPr lang="he-IL" dirty="0"/>
-              <a:t>).</a:t>
-            </a:r>
-            <a:endParaRPr lang="en-US" dirty="0"/>
-          </a:p>
-          <a:p>
-            <a:pPr lvl="3" algn="r" rtl="1"/>
-            <a:r>
-              <a:rPr lang="he-IL" dirty="0"/>
-              <a:t>לאחר ה-</a:t>
-            </a:r>
-            <a:r>
-              <a:rPr lang="en-US" dirty="0"/>
-              <a:t>redirect</a:t>
-            </a:r>
-            <a:r>
-              <a:rPr lang="he-IL" dirty="0"/>
-              <a:t> שם ה-</a:t>
-            </a:r>
-            <a:r>
-              <a:rPr lang="en-US" dirty="0"/>
-              <a:t>route</a:t>
-            </a:r>
-            <a:r>
-              <a:rPr lang="he-IL" dirty="0"/>
-              <a:t> שאליו מפנים הוא זה שיופיע ב-</a:t>
-            </a:r>
-            <a:r>
-              <a:rPr lang="en-US" dirty="0"/>
-              <a:t>URL</a:t>
-            </a:r>
-            <a:r>
-              <a:rPr lang="he-IL" dirty="0"/>
-              <a:t>.</a:t>
-            </a:r>
-          </a:p>
-          <a:p>
-            <a:pPr lvl="2" algn="r" rtl="1"/>
-            <a:r>
-              <a:rPr lang="he-IL" dirty="0"/>
-              <a:t>בכתיבת ה-</a:t>
-            </a:r>
-            <a:r>
-              <a:rPr lang="en-US" dirty="0"/>
-              <a:t>routes</a:t>
-            </a:r>
-            <a:r>
-              <a:rPr lang="he-IL" dirty="0"/>
-              <a:t> ברצף:</a:t>
-            </a:r>
-          </a:p>
-          <a:p>
-            <a:pPr lvl="3" algn="r" rtl="1"/>
-            <a:r>
-              <a:rPr lang="he-IL" dirty="0"/>
-              <a:t>ה-</a:t>
-            </a:r>
-            <a:r>
-              <a:rPr lang="en-US" dirty="0"/>
-              <a:t>URL</a:t>
-            </a:r>
-            <a:r>
-              <a:rPr lang="he-IL" dirty="0"/>
-              <a:t> מתפקדים כ-</a:t>
-            </a:r>
-            <a:r>
-              <a:rPr lang="en-US" dirty="0"/>
-              <a:t>alias</a:t>
-            </a:r>
-            <a:r>
-              <a:rPr lang="he-IL" dirty="0"/>
-              <a:t> – שמות נרדפים שמריצים את אותה הפונקציה.</a:t>
-            </a:r>
-          </a:p>
-          <a:p>
-            <a:pPr lvl="3" algn="r" rtl="1"/>
-            <a:r>
-              <a:rPr lang="he-IL" dirty="0"/>
-              <a:t>חסכוני אם לכל ה-</a:t>
-            </a:r>
-            <a:r>
-              <a:rPr lang="en-US" dirty="0"/>
-              <a:t>routes</a:t>
-            </a:r>
-            <a:r>
-              <a:rPr lang="he-IL" dirty="0"/>
-              <a:t> פעולה זהה ואין חשיבות לשם </a:t>
-            </a:r>
-            <a:r>
-              <a:rPr lang="en-US" dirty="0"/>
-              <a:t>route</a:t>
-            </a:r>
-            <a:r>
-              <a:rPr lang="he-IL" dirty="0"/>
-              <a:t> ספציפי</a:t>
-            </a:r>
-            <a:endParaRPr lang="en-US" dirty="0"/>
-          </a:p>
-        </p:txBody>
-      </p:sp>
-      <p:sp>
-        <p:nvSpPr>
-          <p:cNvPr id="5" name="Slide Number Placeholder 4">
-            <a:extLst>
-              <a:ext uri="{FF2B5EF4-FFF2-40B4-BE49-F238E27FC236}">
-                <a16:creationId xmlns:a16="http://schemas.microsoft.com/office/drawing/2014/main" id="{996D3125-C308-9B47-AFF8-83F18ED3F949}"/>
-              </a:ext>
-            </a:extLst>
-          </p:cNvPr>
-          <p:cNvSpPr>
-            <a:spLocks noGrp="1"/>
-          </p:cNvSpPr>
-          <p:nvPr>
-            <p:ph type="sldNum" sz="quarter" idx="12"/>
-          </p:nvPr>
-        </p:nvSpPr>
-        <p:spPr/>
-        <p:txBody>
-          <a:bodyPr/>
-          <a:lstStyle/>
-          <a:p>
-            <a:fld id="{51845F5A-061D-4825-9AE9-D7794091C6CF}" type="slidenum">
-              <a:rPr lang="en-US" smtClean="0"/>
-              <a:t>21</a:t>
-            </a:fld>
-            <a:endParaRPr lang="en-US"/>
-          </a:p>
-        </p:txBody>
-      </p:sp>
-    </p:spTree>
-    <p:extLst>
-      <p:ext uri="{BB962C8B-B14F-4D97-AF65-F5344CB8AC3E}">
-        <p14:creationId xmlns:p14="http://schemas.microsoft.com/office/powerpoint/2010/main" val="1869590753"/>
       </p:ext>
     </p:extLst>
   </p:cSld>
@@ -19576,6 +19783,287 @@
             <a:pPr lvl="1" algn="r" rtl="1"/>
             <a:r>
               <a:rPr lang="he-IL" dirty="0"/>
+              <a:t>הבדלים בין </a:t>
+            </a:r>
+            <a:r>
+              <a:rPr lang="en-US" dirty="0"/>
+              <a:t>redirect</a:t>
+            </a:r>
+            <a:r>
+              <a:rPr lang="he-IL" dirty="0"/>
+              <a:t> לבין כתיבת </a:t>
+            </a:r>
+            <a:r>
+              <a:rPr lang="en-US" dirty="0"/>
+              <a:t>routes</a:t>
+            </a:r>
+            <a:r>
+              <a:rPr lang="he-IL" dirty="0"/>
+              <a:t> ברצף:</a:t>
+            </a:r>
+          </a:p>
+          <a:p>
+            <a:pPr lvl="2" algn="r" rtl="1"/>
+            <a:r>
+              <a:rPr lang="he-IL" dirty="0"/>
+              <a:t>בשימוש ב-</a:t>
+            </a:r>
+            <a:r>
+              <a:rPr lang="en-US" dirty="0"/>
+              <a:t>redirect</a:t>
+            </a:r>
+            <a:r>
+              <a:rPr lang="he-IL" dirty="0"/>
+              <a:t>:</a:t>
+            </a:r>
+          </a:p>
+          <a:p>
+            <a:pPr lvl="3" algn="r" rtl="1"/>
+            <a:r>
+              <a:rPr lang="he-IL" dirty="0"/>
+              <a:t>ניתן לכתוב לוגיקה כלשהי עבור ה-</a:t>
+            </a:r>
+            <a:r>
+              <a:rPr lang="en-US" dirty="0"/>
+              <a:t>route</a:t>
+            </a:r>
+            <a:r>
+              <a:rPr lang="he-IL" dirty="0"/>
+              <a:t> המסוים לפני המעבר ל-</a:t>
+            </a:r>
+            <a:r>
+              <a:rPr lang="en-US" dirty="0"/>
+              <a:t>route</a:t>
+            </a:r>
+            <a:r>
+              <a:rPr lang="he-IL" dirty="0"/>
+              <a:t> שאליו מפנים (</a:t>
+            </a:r>
+            <a:r>
+              <a:rPr lang="en-US" dirty="0"/>
+              <a:t>login/logout</a:t>
+            </a:r>
+            <a:r>
+              <a:rPr lang="he-IL" dirty="0"/>
+              <a:t>).</a:t>
+            </a:r>
+            <a:endParaRPr lang="en-US" dirty="0"/>
+          </a:p>
+          <a:p>
+            <a:pPr lvl="3" algn="r" rtl="1"/>
+            <a:r>
+              <a:rPr lang="he-IL" dirty="0"/>
+              <a:t>לאחר ה-</a:t>
+            </a:r>
+            <a:r>
+              <a:rPr lang="en-US" dirty="0"/>
+              <a:t>redirect</a:t>
+            </a:r>
+            <a:r>
+              <a:rPr lang="he-IL" dirty="0"/>
+              <a:t> שם ה-</a:t>
+            </a:r>
+            <a:r>
+              <a:rPr lang="en-US" dirty="0"/>
+              <a:t>route</a:t>
+            </a:r>
+            <a:r>
+              <a:rPr lang="he-IL" dirty="0"/>
+              <a:t> שאליו מפנים הוא זה שיופיע ב-</a:t>
+            </a:r>
+            <a:r>
+              <a:rPr lang="en-US" dirty="0"/>
+              <a:t>URL</a:t>
+            </a:r>
+            <a:r>
+              <a:rPr lang="he-IL" dirty="0"/>
+              <a:t>.</a:t>
+            </a:r>
+          </a:p>
+          <a:p>
+            <a:pPr lvl="2" algn="r" rtl="1"/>
+            <a:r>
+              <a:rPr lang="he-IL" dirty="0"/>
+              <a:t>בכתיבת ה-</a:t>
+            </a:r>
+            <a:r>
+              <a:rPr lang="en-US" dirty="0"/>
+              <a:t>routes</a:t>
+            </a:r>
+            <a:r>
+              <a:rPr lang="he-IL" dirty="0"/>
+              <a:t> ברצף:</a:t>
+            </a:r>
+          </a:p>
+          <a:p>
+            <a:pPr lvl="3" algn="r" rtl="1"/>
+            <a:r>
+              <a:rPr lang="he-IL" dirty="0"/>
+              <a:t>ה-</a:t>
+            </a:r>
+            <a:r>
+              <a:rPr lang="en-US" dirty="0"/>
+              <a:t>URL</a:t>
+            </a:r>
+            <a:r>
+              <a:rPr lang="he-IL" dirty="0"/>
+              <a:t> מתפקדים כ-</a:t>
+            </a:r>
+            <a:r>
+              <a:rPr lang="en-US" dirty="0"/>
+              <a:t>alias</a:t>
+            </a:r>
+            <a:r>
+              <a:rPr lang="he-IL" dirty="0"/>
+              <a:t> – שמות נרדפים שמריצים את אותה הפונקציה.</a:t>
+            </a:r>
+          </a:p>
+          <a:p>
+            <a:pPr lvl="3" algn="r" rtl="1"/>
+            <a:r>
+              <a:rPr lang="he-IL" dirty="0"/>
+              <a:t>חסכוני אם לכל ה-</a:t>
+            </a:r>
+            <a:r>
+              <a:rPr lang="en-US" dirty="0"/>
+              <a:t>routes</a:t>
+            </a:r>
+            <a:r>
+              <a:rPr lang="he-IL" dirty="0"/>
+              <a:t> פעולה זהה ואין חשיבות לשם </a:t>
+            </a:r>
+            <a:r>
+              <a:rPr lang="en-US" dirty="0"/>
+              <a:t>route</a:t>
+            </a:r>
+            <a:r>
+              <a:rPr lang="he-IL" dirty="0"/>
+              <a:t> ספציפי</a:t>
+            </a:r>
+            <a:endParaRPr lang="en-US" dirty="0"/>
+          </a:p>
+        </p:txBody>
+      </p:sp>
+      <p:sp>
+        <p:nvSpPr>
+          <p:cNvPr id="5" name="Slide Number Placeholder 4">
+            <a:extLst>
+              <a:ext uri="{FF2B5EF4-FFF2-40B4-BE49-F238E27FC236}">
+                <a16:creationId xmlns:a16="http://schemas.microsoft.com/office/drawing/2014/main" id="{996D3125-C308-9B47-AFF8-83F18ED3F949}"/>
+              </a:ext>
+            </a:extLst>
+          </p:cNvPr>
+          <p:cNvSpPr>
+            <a:spLocks noGrp="1"/>
+          </p:cNvSpPr>
+          <p:nvPr>
+            <p:ph type="sldNum" sz="quarter" idx="12"/>
+          </p:nvPr>
+        </p:nvSpPr>
+        <p:spPr/>
+        <p:txBody>
+          <a:bodyPr/>
+          <a:lstStyle/>
+          <a:p>
+            <a:fld id="{51845F5A-061D-4825-9AE9-D7794091C6CF}" type="slidenum">
+              <a:rPr lang="en-US" smtClean="0"/>
+              <a:t>22</a:t>
+            </a:fld>
+            <a:endParaRPr lang="en-US"/>
+          </a:p>
+        </p:txBody>
+      </p:sp>
+    </p:spTree>
+    <p:extLst>
+      <p:ext uri="{BB962C8B-B14F-4D97-AF65-F5344CB8AC3E}">
+        <p14:creationId xmlns:p14="http://schemas.microsoft.com/office/powerpoint/2010/main" val="1869590753"/>
+      </p:ext>
+    </p:extLst>
+  </p:cSld>
+  <p:clrMapOvr>
+    <a:masterClrMapping/>
+  </p:clrMapOvr>
+</p:sld>
+</file>
+
+<file path=ppt/slides/slide23.xml><?xml version="1.0" encoding="utf-8"?>
+<p:sld xmlns:a="http://schemas.openxmlformats.org/drawingml/2006/main" xmlns:r="http://schemas.openxmlformats.org/officeDocument/2006/relationships" xmlns:p="http://schemas.openxmlformats.org/presentationml/2006/main">
+  <p:cSld>
+    <p:spTree>
+      <p:nvGrpSpPr>
+        <p:cNvPr id="1" name=""/>
+        <p:cNvGrpSpPr/>
+        <p:nvPr/>
+      </p:nvGrpSpPr>
+      <p:grpSpPr>
+        <a:xfrm>
+          <a:off x="0" y="0"/>
+          <a:ext cx="0" cy="0"/>
+          <a:chOff x="0" y="0"/>
+          <a:chExt cx="0" cy="0"/>
+        </a:xfrm>
+      </p:grpSpPr>
+      <p:sp>
+        <p:nvSpPr>
+          <p:cNvPr id="2" name="Title 1">
+            <a:extLst>
+              <a:ext uri="{FF2B5EF4-FFF2-40B4-BE49-F238E27FC236}">
+                <a16:creationId xmlns:a16="http://schemas.microsoft.com/office/drawing/2014/main" id="{08454D7F-A13A-0C4E-ADCD-DC8A88D10E77}"/>
+              </a:ext>
+            </a:extLst>
+          </p:cNvPr>
+          <p:cNvSpPr>
+            <a:spLocks noGrp="1"/>
+          </p:cNvSpPr>
+          <p:nvPr>
+            <p:ph type="title"/>
+          </p:nvPr>
+        </p:nvSpPr>
+        <p:spPr/>
+        <p:txBody>
+          <a:bodyPr/>
+          <a:lstStyle/>
+          <a:p>
+            <a:pPr algn="r" defTabSz="914400" rtl="1" eaLnBrk="1" latinLnBrk="0" hangingPunct="1">
+              <a:lnSpc>
+                <a:spcPct val="90000"/>
+              </a:lnSpc>
+              <a:spcBef>
+                <a:spcPct val="0"/>
+              </a:spcBef>
+              <a:buNone/>
+            </a:pPr>
+            <a:r>
+              <a:rPr lang="en-US" dirty="0"/>
+              <a:t>route() Decorator</a:t>
+            </a:r>
+          </a:p>
+        </p:txBody>
+      </p:sp>
+      <p:sp>
+        <p:nvSpPr>
+          <p:cNvPr id="3" name="Content Placeholder 2">
+            <a:extLst>
+              <a:ext uri="{FF2B5EF4-FFF2-40B4-BE49-F238E27FC236}">
+                <a16:creationId xmlns:a16="http://schemas.microsoft.com/office/drawing/2014/main" id="{7E680E4E-B7C5-6148-9940-640E38CF1699}"/>
+              </a:ext>
+            </a:extLst>
+          </p:cNvPr>
+          <p:cNvSpPr>
+            <a:spLocks noGrp="1"/>
+          </p:cNvSpPr>
+          <p:nvPr>
+            <p:ph idx="1"/>
+          </p:nvPr>
+        </p:nvSpPr>
+        <p:spPr/>
+        <p:txBody>
+          <a:bodyPr/>
+          <a:lstStyle/>
+          <a:p>
+            <a:pPr lvl="1" algn="r" rtl="1"/>
+            <a:r>
+              <a:rPr lang="he-IL" dirty="0"/>
               <a:t>בהמשך נלמד </a:t>
             </a:r>
             <a:r>
@@ -19709,7 +20197,7 @@
           <a:p>
             <a:fld id="{51845F5A-061D-4825-9AE9-D7794091C6CF}" type="slidenum">
               <a:rPr lang="en-US" smtClean="0"/>
-              <a:t>22</a:t>
+              <a:t>23</a:t>
             </a:fld>
             <a:endParaRPr lang="en-US"/>
           </a:p>
@@ -19728,7 +20216,7 @@
 </p:sld>
 </file>
 
-<file path=ppt/slides/slide23.xml><?xml version="1.0" encoding="utf-8"?>
+<file path=ppt/slides/slide24.xml><?xml version="1.0" encoding="utf-8"?>
 <p:sld xmlns:a="http://schemas.openxmlformats.org/drawingml/2006/main" xmlns:r="http://schemas.openxmlformats.org/officeDocument/2006/relationships" xmlns:p="http://schemas.openxmlformats.org/presentationml/2006/main">
   <p:cSld>
     <p:spTree>
@@ -19982,7 +20470,7 @@
           <a:p>
             <a:fld id="{51845F5A-061D-4825-9AE9-D7794091C6CF}" type="slidenum">
               <a:rPr lang="en-US" smtClean="0"/>
-              <a:t>23</a:t>
+              <a:t>24</a:t>
             </a:fld>
             <a:endParaRPr lang="en-US"/>
           </a:p>
@@ -20001,7 +20489,7 @@
 </p:sld>
 </file>
 
-<file path=ppt/slides/slide24.xml><?xml version="1.0" encoding="utf-8"?>
+<file path=ppt/slides/slide25.xml><?xml version="1.0" encoding="utf-8"?>
 <p:sld xmlns:a="http://schemas.openxmlformats.org/drawingml/2006/main" xmlns:r="http://schemas.openxmlformats.org/officeDocument/2006/relationships" xmlns:p="http://schemas.openxmlformats.org/presentationml/2006/main">
   <p:cSld>
     <p:spTree>
@@ -20090,7 +20578,7 @@
           <a:p>
             <a:fld id="{51845F5A-061D-4825-9AE9-D7794091C6CF}" type="slidenum">
               <a:rPr lang="en-US" smtClean="0"/>
-              <a:t>24</a:t>
+              <a:t>25</a:t>
             </a:fld>
             <a:endParaRPr lang="en-US"/>
           </a:p>
